--- a/GestionDeProjet/Reunions/Reunion 14_04_2022/Reunion_avancement14_04_22.pptx
+++ b/GestionDeProjet/Reunions/Reunion 14_04_2022/Reunion_avancement14_04_22.pptx
@@ -17614,6 +17614,66 @@
           </a:p>
         </p:txBody>
       </p:sp>
+      <p:pic>
+        <p:nvPicPr>
+          <p:cNvPr id="5" name="Image 4">
+            <a:extLst>
+              <a:ext uri="{FF2B5EF4-FFF2-40B4-BE49-F238E27FC236}">
+                <a16:creationId xmlns:a16="http://schemas.microsoft.com/office/drawing/2014/main" id="{F2E542A2-7331-4F0C-BBC4-43169341AA0B}"/>
+              </a:ext>
+            </a:extLst>
+          </p:cNvPr>
+          <p:cNvPicPr>
+            <a:picLocks noChangeAspect="1"/>
+          </p:cNvPicPr>
+          <p:nvPr/>
+        </p:nvPicPr>
+        <p:blipFill>
+          <a:blip r:embed="rId2"/>
+          <a:stretch>
+            <a:fillRect/>
+          </a:stretch>
+        </p:blipFill>
+        <p:spPr>
+          <a:xfrm>
+            <a:off x="25516" y="1896789"/>
+            <a:ext cx="5951247" cy="4604847"/>
+          </a:xfrm>
+          <a:prstGeom prst="rect">
+            <a:avLst/>
+          </a:prstGeom>
+        </p:spPr>
+      </p:pic>
+      <p:pic>
+        <p:nvPicPr>
+          <p:cNvPr id="7" name="Image 6">
+            <a:extLst>
+              <a:ext uri="{FF2B5EF4-FFF2-40B4-BE49-F238E27FC236}">
+                <a16:creationId xmlns:a16="http://schemas.microsoft.com/office/drawing/2014/main" id="{16D66EA9-6926-41F8-B570-C1FF7A849A3D}"/>
+              </a:ext>
+            </a:extLst>
+          </p:cNvPr>
+          <p:cNvPicPr>
+            <a:picLocks noChangeAspect="1"/>
+          </p:cNvPicPr>
+          <p:nvPr/>
+        </p:nvPicPr>
+        <p:blipFill>
+          <a:blip r:embed="rId3"/>
+          <a:stretch>
+            <a:fillRect/>
+          </a:stretch>
+        </p:blipFill>
+        <p:spPr>
+          <a:xfrm>
+            <a:off x="5993541" y="2900562"/>
+            <a:ext cx="6104040" cy="2597300"/>
+          </a:xfrm>
+          <a:prstGeom prst="rect">
+            <a:avLst/>
+          </a:prstGeom>
+        </p:spPr>
+      </p:pic>
     </p:spTree>
     <p:extLst>
       <p:ext uri="{BB962C8B-B14F-4D97-AF65-F5344CB8AC3E}">

--- a/GestionDeProjet/Reunions/Reunion 14_04_2022/Reunion_avancement14_04_22.pptx
+++ b/GestionDeProjet/Reunions/Reunion 14_04_2022/Reunion_avancement14_04_22.pptx
@@ -10,7 +10,7 @@
     <p:sldId id="259" r:id="rId4"/>
     <p:sldId id="258" r:id="rId5"/>
     <p:sldId id="268" r:id="rId6"/>
-    <p:sldId id="269" r:id="rId7"/>
+    <p:sldId id="273" r:id="rId7"/>
     <p:sldId id="270" r:id="rId8"/>
     <p:sldId id="271" r:id="rId9"/>
     <p:sldId id="263" r:id="rId10"/>
@@ -250,7 +250,7 @@
   </p:defaultTextStyle>
   <p:extLst>
     <p:ext uri="{EFAFB233-063F-42B5-8137-9DF3F51BA10A}">
-      <p15:sldGuideLst xmlns:p15="http://schemas.microsoft.com/office/powerpoint/2012/main">
+      <p15:sldGuideLst xmlns:p15="http://schemas.microsoft.com/office/powerpoint/2012/main" xmlns="">
         <p15:guide id="1" orient="horz" pos="2160">
           <p15:clr>
             <a:srgbClr val="A4A3A4"/>
@@ -1007,7 +1007,7 @@
     </p:spTree>
     <p:extLst>
       <p:ext uri="{BB962C8B-B14F-4D97-AF65-F5344CB8AC3E}">
-        <p14:creationId xmlns:p14="http://schemas.microsoft.com/office/powerpoint/2010/main" val="1683196634"/>
+        <p14:creationId xmlns:p14="http://schemas.microsoft.com/office/powerpoint/2010/main" xmlns="" val="1683196634"/>
       </p:ext>
     </p:extLst>
   </p:cSld>
@@ -1756,7 +1756,7 @@
     </p:spTree>
     <p:extLst>
       <p:ext uri="{BB962C8B-B14F-4D97-AF65-F5344CB8AC3E}">
-        <p14:creationId xmlns:p14="http://schemas.microsoft.com/office/powerpoint/2010/main" val="3557230879"/>
+        <p14:creationId xmlns:p14="http://schemas.microsoft.com/office/powerpoint/2010/main" xmlns="" val="3557230879"/>
       </p:ext>
     </p:extLst>
   </p:cSld>
@@ -2514,7 +2514,7 @@
     </p:spTree>
     <p:extLst>
       <p:ext uri="{BB962C8B-B14F-4D97-AF65-F5344CB8AC3E}">
-        <p14:creationId xmlns:p14="http://schemas.microsoft.com/office/powerpoint/2010/main" val="1370354911"/>
+        <p14:creationId xmlns:p14="http://schemas.microsoft.com/office/powerpoint/2010/main" xmlns="" val="1370354911"/>
       </p:ext>
     </p:extLst>
   </p:cSld>
@@ -3266,7 +3266,7 @@
     </p:spTree>
     <p:extLst>
       <p:ext uri="{BB962C8B-B14F-4D97-AF65-F5344CB8AC3E}">
-        <p14:creationId xmlns:p14="http://schemas.microsoft.com/office/powerpoint/2010/main" val="1488441881"/>
+        <p14:creationId xmlns:p14="http://schemas.microsoft.com/office/powerpoint/2010/main" xmlns="" val="1488441881"/>
       </p:ext>
     </p:extLst>
   </p:cSld>
@@ -4015,7 +4015,7 @@
     </p:spTree>
     <p:extLst>
       <p:ext uri="{BB962C8B-B14F-4D97-AF65-F5344CB8AC3E}">
-        <p14:creationId xmlns:p14="http://schemas.microsoft.com/office/powerpoint/2010/main" val="4145855993"/>
+        <p14:creationId xmlns:p14="http://schemas.microsoft.com/office/powerpoint/2010/main" xmlns="" val="4145855993"/>
       </p:ext>
     </p:extLst>
   </p:cSld>
@@ -4796,7 +4796,7 @@
     </p:spTree>
     <p:extLst>
       <p:ext uri="{BB962C8B-B14F-4D97-AF65-F5344CB8AC3E}">
-        <p14:creationId xmlns:p14="http://schemas.microsoft.com/office/powerpoint/2010/main" val="3023544346"/>
+        <p14:creationId xmlns:p14="http://schemas.microsoft.com/office/powerpoint/2010/main" xmlns="" val="3023544346"/>
       </p:ext>
     </p:extLst>
   </p:cSld>
@@ -5518,7 +5518,7 @@
     </p:spTree>
     <p:extLst>
       <p:ext uri="{BB962C8B-B14F-4D97-AF65-F5344CB8AC3E}">
-        <p14:creationId xmlns:p14="http://schemas.microsoft.com/office/powerpoint/2010/main" val="2230660444"/>
+        <p14:creationId xmlns:p14="http://schemas.microsoft.com/office/powerpoint/2010/main" xmlns="" val="2230660444"/>
       </p:ext>
     </p:extLst>
   </p:cSld>
@@ -5885,7 +5885,7 @@
     </p:spTree>
     <p:extLst>
       <p:ext uri="{BB962C8B-B14F-4D97-AF65-F5344CB8AC3E}">
-        <p14:creationId xmlns:p14="http://schemas.microsoft.com/office/powerpoint/2010/main" val="2065464872"/>
+        <p14:creationId xmlns:p14="http://schemas.microsoft.com/office/powerpoint/2010/main" xmlns="" val="2065464872"/>
       </p:ext>
     </p:extLst>
   </p:cSld>
@@ -6982,7 +6982,7 @@
     </p:spTree>
     <p:extLst>
       <p:ext uri="{BB962C8B-B14F-4D97-AF65-F5344CB8AC3E}">
-        <p14:creationId xmlns:p14="http://schemas.microsoft.com/office/powerpoint/2010/main" val="2551948298"/>
+        <p14:creationId xmlns:p14="http://schemas.microsoft.com/office/powerpoint/2010/main" xmlns="" val="2551948298"/>
       </p:ext>
     </p:extLst>
   </p:cSld>
@@ -7711,7 +7711,7 @@
           <p:cNvPr id="2" name="Titre 1">
             <a:extLst>
               <a:ext uri="{FF2B5EF4-FFF2-40B4-BE49-F238E27FC236}">
-                <a16:creationId xmlns:a16="http://schemas.microsoft.com/office/drawing/2014/main" id="{AB203E22-A68F-43B4-8A2A-8135BAB9C7D4}"/>
+                <a16:creationId xmlns:a16="http://schemas.microsoft.com/office/drawing/2014/main" xmlns="" id="{AB203E22-A68F-43B4-8A2A-8135BAB9C7D4}"/>
               </a:ext>
             </a:extLst>
           </p:cNvPr>
@@ -7741,7 +7741,7 @@
           <p:cNvPr id="3" name="Sous-titre 2">
             <a:extLst>
               <a:ext uri="{FF2B5EF4-FFF2-40B4-BE49-F238E27FC236}">
-                <a16:creationId xmlns:a16="http://schemas.microsoft.com/office/drawing/2014/main" id="{E4DA1A89-6A6D-438F-AD0A-7258D468F648}"/>
+                <a16:creationId xmlns:a16="http://schemas.microsoft.com/office/drawing/2014/main" xmlns="" id="{E4DA1A89-6A6D-438F-AD0A-7258D468F648}"/>
               </a:ext>
             </a:extLst>
           </p:cNvPr>
@@ -7784,7 +7784,7 @@
     </p:spTree>
     <p:extLst>
       <p:ext uri="{BB962C8B-B14F-4D97-AF65-F5344CB8AC3E}">
-        <p14:creationId xmlns:p14="http://schemas.microsoft.com/office/powerpoint/2010/main" val="3615421672"/>
+        <p14:creationId xmlns:p14="http://schemas.microsoft.com/office/powerpoint/2010/main" xmlns="" val="3615421672"/>
       </p:ext>
     </p:extLst>
   </p:cSld>
@@ -7819,7 +7819,7 @@
           <p:cNvPr id="2" name="Titre 1">
             <a:extLst>
               <a:ext uri="{FF2B5EF4-FFF2-40B4-BE49-F238E27FC236}">
-                <a16:creationId xmlns:a16="http://schemas.microsoft.com/office/drawing/2014/main" id="{EDDD4FAF-1AF8-4391-9A8A-F1F63DD06F1E}"/>
+                <a16:creationId xmlns:a16="http://schemas.microsoft.com/office/drawing/2014/main" xmlns="" id="{EDDD4FAF-1AF8-4391-9A8A-F1F63DD06F1E}"/>
               </a:ext>
             </a:extLst>
           </p:cNvPr>
@@ -7847,7 +7847,7 @@
           <p:cNvPr id="5" name="Espace réservé du contenu 2">
             <a:extLst>
               <a:ext uri="{FF2B5EF4-FFF2-40B4-BE49-F238E27FC236}">
-                <a16:creationId xmlns:a16="http://schemas.microsoft.com/office/drawing/2014/main" id="{9455715C-BB0A-4F4C-A6D1-217D8F8EF473}"/>
+                <a16:creationId xmlns:a16="http://schemas.microsoft.com/office/drawing/2014/main" xmlns="" id="{9455715C-BB0A-4F4C-A6D1-217D8F8EF473}"/>
               </a:ext>
             </a:extLst>
           </p:cNvPr>
@@ -7883,7 +7883,7 @@
           <p:cNvPr id="6" name="Espace réservé du contenu 2">
             <a:extLst>
               <a:ext uri="{FF2B5EF4-FFF2-40B4-BE49-F238E27FC236}">
-                <a16:creationId xmlns:a16="http://schemas.microsoft.com/office/drawing/2014/main" id="{6BD9CA06-DED3-4C16-92D6-0C5171A193E5}"/>
+                <a16:creationId xmlns:a16="http://schemas.microsoft.com/office/drawing/2014/main" xmlns="" id="{6BD9CA06-DED3-4C16-92D6-0C5171A193E5}"/>
               </a:ext>
             </a:extLst>
           </p:cNvPr>
@@ -8173,7 +8173,7 @@
           <p:cNvPr id="7" name="Espace réservé du contenu 2">
             <a:extLst>
               <a:ext uri="{FF2B5EF4-FFF2-40B4-BE49-F238E27FC236}">
-                <a16:creationId xmlns:a16="http://schemas.microsoft.com/office/drawing/2014/main" id="{F3001141-DB67-427B-9A94-3FF90CC48AB1}"/>
+                <a16:creationId xmlns:a16="http://schemas.microsoft.com/office/drawing/2014/main" xmlns="" id="{F3001141-DB67-427B-9A94-3FF90CC48AB1}"/>
               </a:ext>
             </a:extLst>
           </p:cNvPr>
@@ -8494,7 +8494,7 @@
           <p:cNvPr id="9" name="Espace réservé du contenu 2">
             <a:extLst>
               <a:ext uri="{FF2B5EF4-FFF2-40B4-BE49-F238E27FC236}">
-                <a16:creationId xmlns:a16="http://schemas.microsoft.com/office/drawing/2014/main" id="{E0FA1971-9F21-4E69-AD63-39E48763A6AE}"/>
+                <a16:creationId xmlns:a16="http://schemas.microsoft.com/office/drawing/2014/main" xmlns="" id="{E0FA1971-9F21-4E69-AD63-39E48763A6AE}"/>
               </a:ext>
             </a:extLst>
           </p:cNvPr>
@@ -8784,7 +8784,7 @@
           <p:cNvPr id="10" name="Espace réservé du contenu 2">
             <a:extLst>
               <a:ext uri="{FF2B5EF4-FFF2-40B4-BE49-F238E27FC236}">
-                <a16:creationId xmlns:a16="http://schemas.microsoft.com/office/drawing/2014/main" id="{A7D0636E-BF98-41A6-99FB-52971E719426}"/>
+                <a16:creationId xmlns:a16="http://schemas.microsoft.com/office/drawing/2014/main" xmlns="" id="{A7D0636E-BF98-41A6-99FB-52971E719426}"/>
               </a:ext>
             </a:extLst>
           </p:cNvPr>
@@ -9084,7 +9084,7 @@
           <p:cNvPr id="11" name="Espace réservé du contenu 2">
             <a:extLst>
               <a:ext uri="{FF2B5EF4-FFF2-40B4-BE49-F238E27FC236}">
-                <a16:creationId xmlns:a16="http://schemas.microsoft.com/office/drawing/2014/main" id="{281C51A3-B2E3-427E-9B4A-F8F90E64DDC1}"/>
+                <a16:creationId xmlns:a16="http://schemas.microsoft.com/office/drawing/2014/main" xmlns="" id="{281C51A3-B2E3-427E-9B4A-F8F90E64DDC1}"/>
               </a:ext>
             </a:extLst>
           </p:cNvPr>
@@ -9375,7 +9375,7 @@
           <p:cNvPr id="12" name="Espace réservé du contenu 2">
             <a:extLst>
               <a:ext uri="{FF2B5EF4-FFF2-40B4-BE49-F238E27FC236}">
-                <a16:creationId xmlns:a16="http://schemas.microsoft.com/office/drawing/2014/main" id="{CAF0DC42-031C-470F-A093-6863460EAD62}"/>
+                <a16:creationId xmlns:a16="http://schemas.microsoft.com/office/drawing/2014/main" xmlns="" id="{CAF0DC42-031C-470F-A093-6863460EAD62}"/>
               </a:ext>
             </a:extLst>
           </p:cNvPr>
@@ -9663,7 +9663,7 @@
     </p:spTree>
     <p:extLst>
       <p:ext uri="{BB962C8B-B14F-4D97-AF65-F5344CB8AC3E}">
-        <p14:creationId xmlns:p14="http://schemas.microsoft.com/office/powerpoint/2010/main" val="399026903"/>
+        <p14:creationId xmlns:p14="http://schemas.microsoft.com/office/powerpoint/2010/main" xmlns="" val="399026903"/>
       </p:ext>
     </p:extLst>
   </p:cSld>
@@ -9695,7 +9695,7 @@
           <p:cNvPr id="2" name="Titre 1">
             <a:extLst>
               <a:ext uri="{FF2B5EF4-FFF2-40B4-BE49-F238E27FC236}">
-                <a16:creationId xmlns:a16="http://schemas.microsoft.com/office/drawing/2014/main" id="{EDDD4FAF-1AF8-4391-9A8A-F1F63DD06F1E}"/>
+                <a16:creationId xmlns:a16="http://schemas.microsoft.com/office/drawing/2014/main" xmlns="" id="{EDDD4FAF-1AF8-4391-9A8A-F1F63DD06F1E}"/>
               </a:ext>
             </a:extLst>
           </p:cNvPr>
@@ -9873,7 +9873,7 @@
           <p:cNvPr id="9" name="Espace réservé du contenu 2">
             <a:extLst>
               <a:ext uri="{FF2B5EF4-FFF2-40B4-BE49-F238E27FC236}">
-                <a16:creationId xmlns:a16="http://schemas.microsoft.com/office/drawing/2014/main" id="{66B531AC-9D4F-4399-A0F0-D607F4A99613}"/>
+                <a16:creationId xmlns:a16="http://schemas.microsoft.com/office/drawing/2014/main" xmlns="" id="{66B531AC-9D4F-4399-A0F0-D607F4A99613}"/>
               </a:ext>
             </a:extLst>
           </p:cNvPr>
@@ -10163,7 +10163,7 @@
           <p:cNvPr id="10" name="Espace réservé du contenu 2">
             <a:extLst>
               <a:ext uri="{FF2B5EF4-FFF2-40B4-BE49-F238E27FC236}">
-                <a16:creationId xmlns:a16="http://schemas.microsoft.com/office/drawing/2014/main" id="{68759230-6FB2-4F4A-8A8D-12CB3FD87E23}"/>
+                <a16:creationId xmlns:a16="http://schemas.microsoft.com/office/drawing/2014/main" xmlns="" id="{68759230-6FB2-4F4A-8A8D-12CB3FD87E23}"/>
               </a:ext>
             </a:extLst>
           </p:cNvPr>
@@ -10199,7 +10199,7 @@
           <p:cNvPr id="11" name="Espace réservé du contenu 2">
             <a:extLst>
               <a:ext uri="{FF2B5EF4-FFF2-40B4-BE49-F238E27FC236}">
-                <a16:creationId xmlns:a16="http://schemas.microsoft.com/office/drawing/2014/main" id="{82BD3628-C01A-482B-A904-541D42FAB35E}"/>
+                <a16:creationId xmlns:a16="http://schemas.microsoft.com/office/drawing/2014/main" xmlns="" id="{82BD3628-C01A-482B-A904-541D42FAB35E}"/>
               </a:ext>
             </a:extLst>
           </p:cNvPr>
@@ -10489,7 +10489,7 @@
           <p:cNvPr id="12" name="Espace réservé du contenu 2">
             <a:extLst>
               <a:ext uri="{FF2B5EF4-FFF2-40B4-BE49-F238E27FC236}">
-                <a16:creationId xmlns:a16="http://schemas.microsoft.com/office/drawing/2014/main" id="{79456AB5-5EB9-4444-B1B5-AE1871C8D1E1}"/>
+                <a16:creationId xmlns:a16="http://schemas.microsoft.com/office/drawing/2014/main" xmlns="" id="{79456AB5-5EB9-4444-B1B5-AE1871C8D1E1}"/>
               </a:ext>
             </a:extLst>
           </p:cNvPr>
@@ -10777,7 +10777,7 @@
     </p:spTree>
     <p:extLst>
       <p:ext uri="{BB962C8B-B14F-4D97-AF65-F5344CB8AC3E}">
-        <p14:creationId xmlns:p14="http://schemas.microsoft.com/office/powerpoint/2010/main" val="1055216761"/>
+        <p14:creationId xmlns:p14="http://schemas.microsoft.com/office/powerpoint/2010/main" xmlns="" val="1055216761"/>
       </p:ext>
     </p:extLst>
   </p:cSld>
@@ -10809,7 +10809,7 @@
           <p:cNvPr id="2" name="Titre 1">
             <a:extLst>
               <a:ext uri="{FF2B5EF4-FFF2-40B4-BE49-F238E27FC236}">
-                <a16:creationId xmlns:a16="http://schemas.microsoft.com/office/drawing/2014/main" id="{709515F8-52F5-41EA-9F94-01B0981A1295}"/>
+                <a16:creationId xmlns:a16="http://schemas.microsoft.com/office/drawing/2014/main" xmlns="" id="{709515F8-52F5-41EA-9F94-01B0981A1295}"/>
               </a:ext>
             </a:extLst>
           </p:cNvPr>
@@ -10837,7 +10837,7 @@
           <p:cNvPr id="3" name="Espace réservé du contenu 2">
             <a:extLst>
               <a:ext uri="{FF2B5EF4-FFF2-40B4-BE49-F238E27FC236}">
-                <a16:creationId xmlns:a16="http://schemas.microsoft.com/office/drawing/2014/main" id="{BF6A637C-CB97-4C62-85F7-63CB79C428D8}"/>
+                <a16:creationId xmlns:a16="http://schemas.microsoft.com/office/drawing/2014/main" xmlns="" id="{BF6A637C-CB97-4C62-85F7-63CB79C428D8}"/>
               </a:ext>
             </a:extLst>
           </p:cNvPr>
@@ -10908,7 +10908,7 @@
     </p:spTree>
     <p:extLst>
       <p:ext uri="{BB962C8B-B14F-4D97-AF65-F5344CB8AC3E}">
-        <p14:creationId xmlns:p14="http://schemas.microsoft.com/office/powerpoint/2010/main" val="4219772065"/>
+        <p14:creationId xmlns:p14="http://schemas.microsoft.com/office/powerpoint/2010/main" xmlns="" val="4219772065"/>
       </p:ext>
     </p:extLst>
   </p:cSld>
@@ -10940,7 +10940,7 @@
           <p:cNvPr id="2" name="Titre 1">
             <a:extLst>
               <a:ext uri="{FF2B5EF4-FFF2-40B4-BE49-F238E27FC236}">
-                <a16:creationId xmlns:a16="http://schemas.microsoft.com/office/drawing/2014/main" id="{8DD7FC93-5892-4592-BBFC-C8DD177163ED}"/>
+                <a16:creationId xmlns:a16="http://schemas.microsoft.com/office/drawing/2014/main" xmlns="" id="{8DD7FC93-5892-4592-BBFC-C8DD177163ED}"/>
               </a:ext>
             </a:extLst>
           </p:cNvPr>
@@ -10968,7 +10968,7 @@
           <p:cNvPr id="3" name="Espace réservé du contenu 2">
             <a:extLst>
               <a:ext uri="{FF2B5EF4-FFF2-40B4-BE49-F238E27FC236}">
-                <a16:creationId xmlns:a16="http://schemas.microsoft.com/office/drawing/2014/main" id="{7492D3EA-B55F-4349-B6ED-8BD7AB78B71C}"/>
+                <a16:creationId xmlns:a16="http://schemas.microsoft.com/office/drawing/2014/main" xmlns="" id="{7492D3EA-B55F-4349-B6ED-8BD7AB78B71C}"/>
               </a:ext>
             </a:extLst>
           </p:cNvPr>
@@ -11195,7 +11195,7 @@
           <p:cNvPr id="12" name="Accolade fermante 11">
             <a:extLst>
               <a:ext uri="{FF2B5EF4-FFF2-40B4-BE49-F238E27FC236}">
-                <a16:creationId xmlns:a16="http://schemas.microsoft.com/office/drawing/2014/main" id="{D6A8A7AB-33B1-4BD2-9855-8A9B4AF1ED64}"/>
+                <a16:creationId xmlns:a16="http://schemas.microsoft.com/office/drawing/2014/main" xmlns="" id="{D6A8A7AB-33B1-4BD2-9855-8A9B4AF1ED64}"/>
               </a:ext>
             </a:extLst>
           </p:cNvPr>
@@ -11249,7 +11249,7 @@
           <p:cNvPr id="13" name="Zone de texte 2">
             <a:extLst>
               <a:ext uri="{FF2B5EF4-FFF2-40B4-BE49-F238E27FC236}">
-                <a16:creationId xmlns:a16="http://schemas.microsoft.com/office/drawing/2014/main" id="{C0FEFA22-5F48-4904-8C6F-BAEF10A0BCA0}"/>
+                <a16:creationId xmlns:a16="http://schemas.microsoft.com/office/drawing/2014/main" xmlns="" id="{C0FEFA22-5F48-4904-8C6F-BAEF10A0BCA0}"/>
               </a:ext>
             </a:extLst>
           </p:cNvPr>
@@ -11311,7 +11311,7 @@
           <p:cNvPr id="6" name="Accolade fermante 5">
             <a:extLst>
               <a:ext uri="{FF2B5EF4-FFF2-40B4-BE49-F238E27FC236}">
-                <a16:creationId xmlns:a16="http://schemas.microsoft.com/office/drawing/2014/main" id="{C556C457-E082-4782-B712-B62CDFEBC8CC}"/>
+                <a16:creationId xmlns:a16="http://schemas.microsoft.com/office/drawing/2014/main" xmlns="" id="{C556C457-E082-4782-B712-B62CDFEBC8CC}"/>
               </a:ext>
             </a:extLst>
           </p:cNvPr>
@@ -11365,7 +11365,7 @@
           <p:cNvPr id="7" name="Accolade fermante 6">
             <a:extLst>
               <a:ext uri="{FF2B5EF4-FFF2-40B4-BE49-F238E27FC236}">
-                <a16:creationId xmlns:a16="http://schemas.microsoft.com/office/drawing/2014/main" id="{37B2C88B-A3A6-436E-B859-C6FB5A33BB38}"/>
+                <a16:creationId xmlns:a16="http://schemas.microsoft.com/office/drawing/2014/main" xmlns="" id="{37B2C88B-A3A6-436E-B859-C6FB5A33BB38}"/>
               </a:ext>
             </a:extLst>
           </p:cNvPr>
@@ -11419,7 +11419,7 @@
           <p:cNvPr id="8" name="Zone de texte 2">
             <a:extLst>
               <a:ext uri="{FF2B5EF4-FFF2-40B4-BE49-F238E27FC236}">
-                <a16:creationId xmlns:a16="http://schemas.microsoft.com/office/drawing/2014/main" id="{B8F64390-DECF-43DE-BA99-EA121A12A631}"/>
+                <a16:creationId xmlns:a16="http://schemas.microsoft.com/office/drawing/2014/main" xmlns="" id="{B8F64390-DECF-43DE-BA99-EA121A12A631}"/>
               </a:ext>
             </a:extLst>
           </p:cNvPr>
@@ -11481,7 +11481,7 @@
           <p:cNvPr id="9" name="Zone de texte 2">
             <a:extLst>
               <a:ext uri="{FF2B5EF4-FFF2-40B4-BE49-F238E27FC236}">
-                <a16:creationId xmlns:a16="http://schemas.microsoft.com/office/drawing/2014/main" id="{9F5C0BC5-805D-472C-9C45-B91B92FBE6E4}"/>
+                <a16:creationId xmlns:a16="http://schemas.microsoft.com/office/drawing/2014/main" xmlns="" id="{9F5C0BC5-805D-472C-9C45-B91B92FBE6E4}"/>
               </a:ext>
             </a:extLst>
           </p:cNvPr>
@@ -11541,7 +11541,7 @@
     </p:spTree>
     <p:extLst>
       <p:ext uri="{BB962C8B-B14F-4D97-AF65-F5344CB8AC3E}">
-        <p14:creationId xmlns:p14="http://schemas.microsoft.com/office/powerpoint/2010/main" val="2251765279"/>
+        <p14:creationId xmlns:p14="http://schemas.microsoft.com/office/powerpoint/2010/main" xmlns="" val="2251765279"/>
       </p:ext>
     </p:extLst>
   </p:cSld>
@@ -11573,7 +11573,7 @@
           <p:cNvPr id="2" name="Titre 1">
             <a:extLst>
               <a:ext uri="{FF2B5EF4-FFF2-40B4-BE49-F238E27FC236}">
-                <a16:creationId xmlns:a16="http://schemas.microsoft.com/office/drawing/2014/main" id="{BDEF606E-A611-403F-B367-E6244B4A4623}"/>
+                <a16:creationId xmlns:a16="http://schemas.microsoft.com/office/drawing/2014/main" xmlns="" id="{BDEF606E-A611-403F-B367-E6244B4A4623}"/>
               </a:ext>
             </a:extLst>
           </p:cNvPr>
@@ -11601,7 +11601,7 @@
           <p:cNvPr id="3" name="Espace réservé du contenu 2">
             <a:extLst>
               <a:ext uri="{FF2B5EF4-FFF2-40B4-BE49-F238E27FC236}">
-                <a16:creationId xmlns:a16="http://schemas.microsoft.com/office/drawing/2014/main" id="{99811861-2BC3-429F-B025-064CDA88CAED}"/>
+                <a16:creationId xmlns:a16="http://schemas.microsoft.com/office/drawing/2014/main" xmlns="" id="{99811861-2BC3-429F-B025-064CDA88CAED}"/>
               </a:ext>
             </a:extLst>
           </p:cNvPr>
@@ -11637,7 +11637,7 @@
           <p:cNvPr id="4" name="Espace réservé du contenu 2">
             <a:extLst>
               <a:ext uri="{FF2B5EF4-FFF2-40B4-BE49-F238E27FC236}">
-                <a16:creationId xmlns:a16="http://schemas.microsoft.com/office/drawing/2014/main" id="{BB93EE7A-2250-494A-A207-244746AC4E06}"/>
+                <a16:creationId xmlns:a16="http://schemas.microsoft.com/office/drawing/2014/main" xmlns="" id="{BB93EE7A-2250-494A-A207-244746AC4E06}"/>
               </a:ext>
             </a:extLst>
           </p:cNvPr>
@@ -11927,7 +11927,7 @@
           <p:cNvPr id="5" name="Espace réservé du contenu 2">
             <a:extLst>
               <a:ext uri="{FF2B5EF4-FFF2-40B4-BE49-F238E27FC236}">
-                <a16:creationId xmlns:a16="http://schemas.microsoft.com/office/drawing/2014/main" id="{D3D20651-D178-439F-A861-6014A39BF048}"/>
+                <a16:creationId xmlns:a16="http://schemas.microsoft.com/office/drawing/2014/main" xmlns="" id="{D3D20651-D178-439F-A861-6014A39BF048}"/>
               </a:ext>
             </a:extLst>
           </p:cNvPr>
@@ -12217,7 +12217,7 @@
           <p:cNvPr id="6" name="Espace réservé du contenu 2">
             <a:extLst>
               <a:ext uri="{FF2B5EF4-FFF2-40B4-BE49-F238E27FC236}">
-                <a16:creationId xmlns:a16="http://schemas.microsoft.com/office/drawing/2014/main" id="{93FE4B37-C138-438D-B78D-0EFCC0ED5EE8}"/>
+                <a16:creationId xmlns:a16="http://schemas.microsoft.com/office/drawing/2014/main" xmlns="" id="{93FE4B37-C138-438D-B78D-0EFCC0ED5EE8}"/>
               </a:ext>
             </a:extLst>
           </p:cNvPr>
@@ -12517,7 +12517,7 @@
           <p:cNvPr id="8" name="Espace réservé du contenu 2">
             <a:extLst>
               <a:ext uri="{FF2B5EF4-FFF2-40B4-BE49-F238E27FC236}">
-                <a16:creationId xmlns:a16="http://schemas.microsoft.com/office/drawing/2014/main" id="{34F11BDC-0606-4827-9F48-8B02A28DC2FE}"/>
+                <a16:creationId xmlns:a16="http://schemas.microsoft.com/office/drawing/2014/main" xmlns="" id="{34F11BDC-0606-4827-9F48-8B02A28DC2FE}"/>
               </a:ext>
             </a:extLst>
           </p:cNvPr>
@@ -12807,7 +12807,7 @@
           <p:cNvPr id="9" name="Espace réservé du contenu 2">
             <a:extLst>
               <a:ext uri="{FF2B5EF4-FFF2-40B4-BE49-F238E27FC236}">
-                <a16:creationId xmlns:a16="http://schemas.microsoft.com/office/drawing/2014/main" id="{DDCFC75D-2CC2-440C-94D6-BE3684186761}"/>
+                <a16:creationId xmlns:a16="http://schemas.microsoft.com/office/drawing/2014/main" xmlns="" id="{DDCFC75D-2CC2-440C-94D6-BE3684186761}"/>
               </a:ext>
             </a:extLst>
           </p:cNvPr>
@@ -13097,7 +13097,7 @@
           <p:cNvPr id="10" name="Espace réservé du contenu 2">
             <a:extLst>
               <a:ext uri="{FF2B5EF4-FFF2-40B4-BE49-F238E27FC236}">
-                <a16:creationId xmlns:a16="http://schemas.microsoft.com/office/drawing/2014/main" id="{088443E8-EA5B-4400-912C-480C38FD951E}"/>
+                <a16:creationId xmlns:a16="http://schemas.microsoft.com/office/drawing/2014/main" xmlns="" id="{088443E8-EA5B-4400-912C-480C38FD951E}"/>
               </a:ext>
             </a:extLst>
           </p:cNvPr>
@@ -13387,7 +13387,7 @@
           <p:cNvPr id="11" name="Espace réservé du contenu 2">
             <a:extLst>
               <a:ext uri="{FF2B5EF4-FFF2-40B4-BE49-F238E27FC236}">
-                <a16:creationId xmlns:a16="http://schemas.microsoft.com/office/drawing/2014/main" id="{1209F56B-454C-4205-A94E-CB627B375173}"/>
+                <a16:creationId xmlns:a16="http://schemas.microsoft.com/office/drawing/2014/main" xmlns="" id="{1209F56B-454C-4205-A94E-CB627B375173}"/>
               </a:ext>
             </a:extLst>
           </p:cNvPr>
@@ -13687,7 +13687,7 @@
           <p:cNvPr id="12" name="Espace réservé du contenu 2">
             <a:extLst>
               <a:ext uri="{FF2B5EF4-FFF2-40B4-BE49-F238E27FC236}">
-                <a16:creationId xmlns:a16="http://schemas.microsoft.com/office/drawing/2014/main" id="{770D65B6-7142-4048-9635-208D160CCD37}"/>
+                <a16:creationId xmlns:a16="http://schemas.microsoft.com/office/drawing/2014/main" xmlns="" id="{770D65B6-7142-4048-9635-208D160CCD37}"/>
               </a:ext>
             </a:extLst>
           </p:cNvPr>
@@ -14003,7 +14003,7 @@
           <p:cNvPr id="13" name="Espace réservé du contenu 2">
             <a:extLst>
               <a:ext uri="{FF2B5EF4-FFF2-40B4-BE49-F238E27FC236}">
-                <a16:creationId xmlns:a16="http://schemas.microsoft.com/office/drawing/2014/main" id="{BDA00A1B-34D5-4405-ACA7-AA7B1E6A4158}"/>
+                <a16:creationId xmlns:a16="http://schemas.microsoft.com/office/drawing/2014/main" xmlns="" id="{BDA00A1B-34D5-4405-ACA7-AA7B1E6A4158}"/>
               </a:ext>
             </a:extLst>
           </p:cNvPr>
@@ -14293,7 +14293,7 @@
           <p:cNvPr id="15" name="Espace réservé du contenu 2">
             <a:extLst>
               <a:ext uri="{FF2B5EF4-FFF2-40B4-BE49-F238E27FC236}">
-                <a16:creationId xmlns:a16="http://schemas.microsoft.com/office/drawing/2014/main" id="{CBEFF474-9A89-4A20-A550-7DA096F60B17}"/>
+                <a16:creationId xmlns:a16="http://schemas.microsoft.com/office/drawing/2014/main" xmlns="" id="{CBEFF474-9A89-4A20-A550-7DA096F60B17}"/>
               </a:ext>
             </a:extLst>
           </p:cNvPr>
@@ -14603,7 +14603,7 @@
           <p:cNvPr id="16" name="Espace réservé du contenu 2">
             <a:extLst>
               <a:ext uri="{FF2B5EF4-FFF2-40B4-BE49-F238E27FC236}">
-                <a16:creationId xmlns:a16="http://schemas.microsoft.com/office/drawing/2014/main" id="{71BDF16E-587A-42EF-9251-E6440702A164}"/>
+                <a16:creationId xmlns:a16="http://schemas.microsoft.com/office/drawing/2014/main" xmlns="" id="{71BDF16E-587A-42EF-9251-E6440702A164}"/>
               </a:ext>
             </a:extLst>
           </p:cNvPr>
@@ -14893,7 +14893,7 @@
           <p:cNvPr id="17" name="Rectangle 16">
             <a:extLst>
               <a:ext uri="{FF2B5EF4-FFF2-40B4-BE49-F238E27FC236}">
-                <a16:creationId xmlns:a16="http://schemas.microsoft.com/office/drawing/2014/main" id="{45A408FF-EBF9-4E6D-B34E-E8166A09137E}"/>
+                <a16:creationId xmlns:a16="http://schemas.microsoft.com/office/drawing/2014/main" xmlns="" id="{45A408FF-EBF9-4E6D-B34E-E8166A09137E}"/>
               </a:ext>
             </a:extLst>
           </p:cNvPr>
@@ -14943,7 +14943,7 @@
     </p:spTree>
     <p:extLst>
       <p:ext uri="{BB962C8B-B14F-4D97-AF65-F5344CB8AC3E}">
-        <p14:creationId xmlns:p14="http://schemas.microsoft.com/office/powerpoint/2010/main" val="205039471"/>
+        <p14:creationId xmlns:p14="http://schemas.microsoft.com/office/powerpoint/2010/main" xmlns="" val="205039471"/>
       </p:ext>
     </p:extLst>
   </p:cSld>
@@ -14975,7 +14975,7 @@
           <p:cNvPr id="2" name="Titre 1">
             <a:extLst>
               <a:ext uri="{FF2B5EF4-FFF2-40B4-BE49-F238E27FC236}">
-                <a16:creationId xmlns:a16="http://schemas.microsoft.com/office/drawing/2014/main" id="{BDEF606E-A611-403F-B367-E6244B4A4623}"/>
+                <a16:creationId xmlns:a16="http://schemas.microsoft.com/office/drawing/2014/main" xmlns="" id="{BDEF606E-A611-403F-B367-E6244B4A4623}"/>
               </a:ext>
             </a:extLst>
           </p:cNvPr>
@@ -15003,7 +15003,7 @@
           <p:cNvPr id="3" name="Espace réservé du contenu 2">
             <a:extLst>
               <a:ext uri="{FF2B5EF4-FFF2-40B4-BE49-F238E27FC236}">
-                <a16:creationId xmlns:a16="http://schemas.microsoft.com/office/drawing/2014/main" id="{99811861-2BC3-429F-B025-064CDA88CAED}"/>
+                <a16:creationId xmlns:a16="http://schemas.microsoft.com/office/drawing/2014/main" xmlns="" id="{99811861-2BC3-429F-B025-064CDA88CAED}"/>
               </a:ext>
             </a:extLst>
           </p:cNvPr>
@@ -15039,7 +15039,7 @@
           <p:cNvPr id="5" name="Espace réservé du contenu 2">
             <a:extLst>
               <a:ext uri="{FF2B5EF4-FFF2-40B4-BE49-F238E27FC236}">
-                <a16:creationId xmlns:a16="http://schemas.microsoft.com/office/drawing/2014/main" id="{D3D20651-D178-439F-A861-6014A39BF048}"/>
+                <a16:creationId xmlns:a16="http://schemas.microsoft.com/office/drawing/2014/main" xmlns="" id="{D3D20651-D178-439F-A861-6014A39BF048}"/>
               </a:ext>
             </a:extLst>
           </p:cNvPr>
@@ -15329,7 +15329,7 @@
           <p:cNvPr id="6" name="Espace réservé du contenu 2">
             <a:extLst>
               <a:ext uri="{FF2B5EF4-FFF2-40B4-BE49-F238E27FC236}">
-                <a16:creationId xmlns:a16="http://schemas.microsoft.com/office/drawing/2014/main" id="{93FE4B37-C138-438D-B78D-0EFCC0ED5EE8}"/>
+                <a16:creationId xmlns:a16="http://schemas.microsoft.com/office/drawing/2014/main" xmlns="" id="{93FE4B37-C138-438D-B78D-0EFCC0ED5EE8}"/>
               </a:ext>
             </a:extLst>
           </p:cNvPr>
@@ -15619,7 +15619,7 @@
           <p:cNvPr id="16" name="Espace réservé du contenu 2">
             <a:extLst>
               <a:ext uri="{FF2B5EF4-FFF2-40B4-BE49-F238E27FC236}">
-                <a16:creationId xmlns:a16="http://schemas.microsoft.com/office/drawing/2014/main" id="{71BDF16E-587A-42EF-9251-E6440702A164}"/>
+                <a16:creationId xmlns:a16="http://schemas.microsoft.com/office/drawing/2014/main" xmlns="" id="{71BDF16E-587A-42EF-9251-E6440702A164}"/>
               </a:ext>
             </a:extLst>
           </p:cNvPr>
@@ -15929,7 +15929,7 @@
           <p:cNvPr id="18" name="Espace réservé du contenu 2">
             <a:extLst>
               <a:ext uri="{FF2B5EF4-FFF2-40B4-BE49-F238E27FC236}">
-                <a16:creationId xmlns:a16="http://schemas.microsoft.com/office/drawing/2014/main" id="{8D95CD65-92CC-40CC-A89D-3E6779990464}"/>
+                <a16:creationId xmlns:a16="http://schemas.microsoft.com/office/drawing/2014/main" xmlns="" id="{8D95CD65-92CC-40CC-A89D-3E6779990464}"/>
               </a:ext>
             </a:extLst>
           </p:cNvPr>
@@ -16219,7 +16219,7 @@
           <p:cNvPr id="19" name="Espace réservé du contenu 2">
             <a:extLst>
               <a:ext uri="{FF2B5EF4-FFF2-40B4-BE49-F238E27FC236}">
-                <a16:creationId xmlns:a16="http://schemas.microsoft.com/office/drawing/2014/main" id="{38524D90-9F04-487B-B6C7-86109CCB8380}"/>
+                <a16:creationId xmlns:a16="http://schemas.microsoft.com/office/drawing/2014/main" xmlns="" id="{38524D90-9F04-487B-B6C7-86109CCB8380}"/>
               </a:ext>
             </a:extLst>
           </p:cNvPr>
@@ -16509,7 +16509,7 @@
           <p:cNvPr id="20" name="Espace réservé du contenu 2">
             <a:extLst>
               <a:ext uri="{FF2B5EF4-FFF2-40B4-BE49-F238E27FC236}">
-                <a16:creationId xmlns:a16="http://schemas.microsoft.com/office/drawing/2014/main" id="{1A91A856-41D7-4AB9-B54F-7AA23434CAC1}"/>
+                <a16:creationId xmlns:a16="http://schemas.microsoft.com/office/drawing/2014/main" xmlns="" id="{1A91A856-41D7-4AB9-B54F-7AA23434CAC1}"/>
               </a:ext>
             </a:extLst>
           </p:cNvPr>
@@ -16799,7 +16799,7 @@
           <p:cNvPr id="21" name="Espace réservé du contenu 2">
             <a:extLst>
               <a:ext uri="{FF2B5EF4-FFF2-40B4-BE49-F238E27FC236}">
-                <a16:creationId xmlns:a16="http://schemas.microsoft.com/office/drawing/2014/main" id="{934B8381-7C52-4ACD-93AD-DD058692EA40}"/>
+                <a16:creationId xmlns:a16="http://schemas.microsoft.com/office/drawing/2014/main" xmlns="" id="{934B8381-7C52-4ACD-93AD-DD058692EA40}"/>
               </a:ext>
             </a:extLst>
           </p:cNvPr>
@@ -17089,7 +17089,7 @@
           <p:cNvPr id="22" name="Espace réservé du contenu 2">
             <a:extLst>
               <a:ext uri="{FF2B5EF4-FFF2-40B4-BE49-F238E27FC236}">
-                <a16:creationId xmlns:a16="http://schemas.microsoft.com/office/drawing/2014/main" id="{56420AE2-8C6D-41FA-BB12-E0FF52E83F9C}"/>
+                <a16:creationId xmlns:a16="http://schemas.microsoft.com/office/drawing/2014/main" xmlns="" id="{56420AE2-8C6D-41FA-BB12-E0FF52E83F9C}"/>
               </a:ext>
             </a:extLst>
           </p:cNvPr>
@@ -17379,7 +17379,7 @@
           <p:cNvPr id="23" name="Rectangle 22">
             <a:extLst>
               <a:ext uri="{FF2B5EF4-FFF2-40B4-BE49-F238E27FC236}">
-                <a16:creationId xmlns:a16="http://schemas.microsoft.com/office/drawing/2014/main" id="{833FF1D6-47A3-4DB8-A5A1-38178D244F22}"/>
+                <a16:creationId xmlns:a16="http://schemas.microsoft.com/office/drawing/2014/main" xmlns="" id="{833FF1D6-47A3-4DB8-A5A1-38178D244F22}"/>
               </a:ext>
             </a:extLst>
           </p:cNvPr>
@@ -17429,7 +17429,7 @@
     </p:spTree>
     <p:extLst>
       <p:ext uri="{BB962C8B-B14F-4D97-AF65-F5344CB8AC3E}">
-        <p14:creationId xmlns:p14="http://schemas.microsoft.com/office/powerpoint/2010/main" val="2206887346"/>
+        <p14:creationId xmlns:p14="http://schemas.microsoft.com/office/powerpoint/2010/main" xmlns="" val="2206887346"/>
       </p:ext>
     </p:extLst>
   </p:cSld>
@@ -17461,7 +17461,7 @@
           <p:cNvPr id="2" name="Titre 1">
             <a:extLst>
               <a:ext uri="{FF2B5EF4-FFF2-40B4-BE49-F238E27FC236}">
-                <a16:creationId xmlns:a16="http://schemas.microsoft.com/office/drawing/2014/main" id="{BDEF606E-A611-403F-B367-E6244B4A4623}"/>
+                <a16:creationId xmlns="" xmlns:a16="http://schemas.microsoft.com/office/drawing/2014/main" id="{BDEF606E-A611-403F-B367-E6244B4A4623}"/>
               </a:ext>
             </a:extLst>
           </p:cNvPr>
@@ -17478,9 +17478,10 @@
           <a:lstStyle/>
           <a:p>
             <a:r>
-              <a:rPr lang="fr-FR" dirty="0"/>
+              <a:rPr lang="fr-FR" dirty="0" smtClean="0"/>
               <a:t>Présentation détaillée de notre choix définitif</a:t>
             </a:r>
+            <a:endParaRPr lang="fr-FR" dirty="0"/>
           </a:p>
         </p:txBody>
       </p:sp>
@@ -17489,7 +17490,7 @@
           <p:cNvPr id="3" name="Espace réservé du contenu 2">
             <a:extLst>
               <a:ext uri="{FF2B5EF4-FFF2-40B4-BE49-F238E27FC236}">
-                <a16:creationId xmlns:a16="http://schemas.microsoft.com/office/drawing/2014/main" id="{99811861-2BC3-429F-B025-064CDA88CAED}"/>
+                <a16:creationId xmlns="" xmlns:a16="http://schemas.microsoft.com/office/drawing/2014/main" id="{99811861-2BC3-429F-B025-064CDA88CAED}"/>
               </a:ext>
             </a:extLst>
           </p:cNvPr>
@@ -17502,28 +17503,276 @@
         </p:nvSpPr>
         <p:spPr>
           <a:xfrm>
-            <a:off x="729842" y="1397786"/>
-            <a:ext cx="3028426" cy="674296"/>
+            <a:off x="800622" y="1660832"/>
+            <a:ext cx="10515600" cy="4910735"/>
           </a:xfrm>
         </p:spPr>
         <p:txBody>
           <a:bodyPr/>
           <a:lstStyle/>
           <a:p>
-            <a:pPr marL="186262" indent="0" algn="ctr">
+            <a:pPr>
               <a:buNone/>
             </a:pPr>
             <a:r>
-              <a:rPr lang="fr-FR" b="1" dirty="0"/>
-              <a:t>RFID</a:t>
+              <a:rPr lang="fr-FR" dirty="0" smtClean="0"/>
+              <a:t>Solution retenue : </a:t>
             </a:r>
+          </a:p>
+          <a:p>
+            <a:pPr>
+              <a:buFont typeface="Arial" charset="0"/>
+              <a:buChar char="•"/>
+            </a:pPr>
+            <a:r>
+              <a:rPr lang="fr-FR" dirty="0" smtClean="0"/>
+              <a:t>Click NFC tag 2 </a:t>
+            </a:r>
+            <a:r>
+              <a:rPr lang="fr-FR" dirty="0" err="1" smtClean="0"/>
+              <a:t>MickroElectronika</a:t>
+            </a:r>
+            <a:endParaRPr lang="fr-FR" dirty="0" smtClean="0"/>
+          </a:p>
+          <a:p>
+            <a:pPr>
+              <a:buFont typeface="Arial" charset="0"/>
+              <a:buChar char="•"/>
+            </a:pPr>
+            <a:r>
+              <a:rPr lang="fr-FR" dirty="0" smtClean="0"/>
+              <a:t>Étiquettes </a:t>
+            </a:r>
+            <a:r>
+              <a:rPr lang="fr-FR" dirty="0" smtClean="0"/>
+              <a:t> Autocollantes </a:t>
+            </a:r>
+            <a:r>
+              <a:rPr lang="fr-FR" dirty="0" smtClean="0"/>
+              <a:t>NFC NTAG </a:t>
+            </a:r>
+            <a:r>
+              <a:rPr lang="fr-FR" dirty="0" smtClean="0"/>
+              <a:t>213</a:t>
+            </a:r>
+            <a:endParaRPr lang="fr-FR" dirty="0" smtClean="0"/>
+          </a:p>
+          <a:p>
+            <a:pPr>
+              <a:buNone/>
+            </a:pPr>
+            <a:endParaRPr lang="fr-FR" dirty="0" smtClean="0"/>
+          </a:p>
+          <a:p>
+            <a:pPr>
+              <a:buNone/>
+            </a:pPr>
+            <a:r>
+              <a:rPr lang="fr-FR" dirty="0" smtClean="0"/>
+              <a:t>Avantages : </a:t>
+            </a:r>
+          </a:p>
+          <a:p>
+            <a:pPr>
+              <a:buFont typeface="Arial" charset="0"/>
+              <a:buChar char="•"/>
+            </a:pPr>
+            <a:r>
+              <a:rPr lang="fr-FR" dirty="0" smtClean="0"/>
+              <a:t>Tag de la puce la plus répandue et polyvalente</a:t>
+            </a:r>
+          </a:p>
+          <a:p>
+            <a:pPr>
+              <a:buFont typeface="Arial" charset="0"/>
+              <a:buChar char="•"/>
+            </a:pPr>
+            <a:r>
+              <a:rPr lang="fr-FR" dirty="0" smtClean="0"/>
+              <a:t>Tag NFC sous forme d’autocollant</a:t>
+            </a:r>
+          </a:p>
+          <a:p>
+            <a:pPr>
+              <a:buFont typeface="Arial" charset="0"/>
+              <a:buChar char="•"/>
+            </a:pPr>
+            <a:r>
+              <a:rPr lang="fr-FR" dirty="0" smtClean="0"/>
+              <a:t>Prix abordable</a:t>
+            </a:r>
+          </a:p>
+          <a:p>
+            <a:pPr>
+              <a:buNone/>
+            </a:pPr>
+            <a:endParaRPr lang="fr-FR" dirty="0" smtClean="0"/>
+          </a:p>
+          <a:p>
+            <a:pPr>
+              <a:buFontTx/>
+              <a:buChar char="-"/>
+            </a:pPr>
+            <a:endParaRPr lang="fr-FR" dirty="0"/>
+          </a:p>
+        </p:txBody>
+      </p:sp>
+      <p:pic>
+        <p:nvPicPr>
+          <p:cNvPr id="1026" name="Picture 2"/>
+          <p:cNvPicPr>
+            <a:picLocks noChangeAspect="1" noChangeArrowheads="1"/>
+          </p:cNvPicPr>
+          <p:nvPr/>
+        </p:nvPicPr>
+        <p:blipFill>
+          <a:blip r:embed="rId2" cstate="print"/>
+          <a:srcRect/>
+          <a:stretch>
+            <a:fillRect/>
+          </a:stretch>
+        </p:blipFill>
+        <p:spPr bwMode="auto">
+          <a:xfrm>
+            <a:off x="8687910" y="1755797"/>
+            <a:ext cx="2657475" cy="3571875"/>
+          </a:xfrm>
+          <a:prstGeom prst="rect">
+            <a:avLst/>
+          </a:prstGeom>
+          <a:noFill/>
+          <a:ln w="9525">
+            <a:noFill/>
+            <a:miter lim="800000"/>
+            <a:headEnd/>
+            <a:tailEnd/>
+          </a:ln>
+        </p:spPr>
+      </p:pic>
+      <p:pic>
+        <p:nvPicPr>
+          <p:cNvPr id="1027" name="Picture 3"/>
+          <p:cNvPicPr>
+            <a:picLocks noChangeAspect="1" noChangeArrowheads="1"/>
+          </p:cNvPicPr>
+          <p:nvPr/>
+        </p:nvPicPr>
+        <p:blipFill>
+          <a:blip r:embed="rId3" cstate="print"/>
+          <a:srcRect/>
+          <a:stretch>
+            <a:fillRect/>
+          </a:stretch>
+        </p:blipFill>
+        <p:spPr bwMode="auto">
+          <a:xfrm>
+            <a:off x="6203646" y="4196778"/>
+            <a:ext cx="2977933" cy="2287398"/>
+          </a:xfrm>
+          <a:prstGeom prst="rect">
+            <a:avLst/>
+          </a:prstGeom>
+          <a:noFill/>
+          <a:ln w="9525">
+            <a:noFill/>
+            <a:miter lim="800000"/>
+            <a:headEnd/>
+            <a:tailEnd/>
+          </a:ln>
+        </p:spPr>
+      </p:pic>
+      <p:sp>
+        <p:nvSpPr>
+          <p:cNvPr id="6" name="Espace réservé du contenu 2">
+            <a:extLst>
+              <a:ext uri="{FF2B5EF4-FFF2-40B4-BE49-F238E27FC236}">
+                <a16:creationId xmlns:a16="http://schemas.microsoft.com/office/drawing/2014/main" xmlns="" id="{99811861-2BC3-429F-B025-064CDA88CAED}"/>
+              </a:ext>
+            </a:extLst>
+          </p:cNvPr>
+          <p:cNvSpPr txBox="1">
+            <a:spLocks/>
+          </p:cNvSpPr>
+          <p:nvPr/>
+        </p:nvSpPr>
+        <p:spPr>
+          <a:xfrm>
+            <a:off x="-150313" y="1209896"/>
+            <a:ext cx="3028426" cy="674296"/>
+          </a:xfrm>
+          <a:prstGeom prst="rect">
+            <a:avLst/>
+          </a:prstGeom>
+          <a:noFill/>
+          <a:ln>
+            <a:noFill/>
+          </a:ln>
+        </p:spPr>
+        <p:txBody>
+          <a:bodyPr spcFirstLastPara="1" wrap="square" lIns="68575" tIns="34275" rIns="68575" bIns="34275" anchor="t" anchorCtr="0">
+            <a:noAutofit/>
+          </a:bodyPr>
+          <a:lstStyle/>
+          <a:p>
+            <a:pPr marL="186262" marR="0" lvl="0" indent="0" algn="ctr" defTabSz="914400" rtl="0" eaLnBrk="1" fontAlgn="auto" latinLnBrk="0" hangingPunct="1">
+              <a:lnSpc>
+                <a:spcPct val="90000"/>
+              </a:lnSpc>
+              <a:spcBef>
+                <a:spcPts val="1067"/>
+              </a:spcBef>
+              <a:spcAft>
+                <a:spcPts val="0"/>
+              </a:spcAft>
+              <a:buClr>
+                <a:srgbClr val="F9B63B"/>
+              </a:buClr>
+              <a:buSzPts val="1400"/>
+              <a:buFont typeface="Arial"/>
+              <a:buNone/>
+              <a:tabLst/>
+              <a:defRPr/>
+            </a:pPr>
+            <a:r>
+              <a:rPr kumimoji="0" lang="fr-FR" sz="2100" b="1" i="0" u="none" strike="noStrike" kern="0" cap="none" spc="0" normalizeH="0" baseline="0" noProof="0" dirty="0" smtClean="0">
+                <a:ln>
+                  <a:noFill/>
+                </a:ln>
+                <a:solidFill>
+                  <a:schemeClr val="dk1"/>
+                </a:solidFill>
+                <a:effectLst/>
+                <a:uLnTx/>
+                <a:uFillTx/>
+                <a:latin typeface="Arial"/>
+                <a:ea typeface="Arial"/>
+                <a:cs typeface="Arial"/>
+                <a:sym typeface="Arial"/>
+              </a:rPr>
+              <a:t>NFC/RFID</a:t>
+            </a:r>
+            <a:endParaRPr kumimoji="0" lang="fr-FR" sz="2100" b="1" i="0" u="none" strike="noStrike" kern="0" cap="none" spc="0" normalizeH="0" baseline="0" noProof="0" dirty="0">
+              <a:ln>
+                <a:noFill/>
+              </a:ln>
+              <a:solidFill>
+                <a:schemeClr val="dk1"/>
+              </a:solidFill>
+              <a:effectLst/>
+              <a:uLnTx/>
+              <a:uFillTx/>
+              <a:latin typeface="Arial"/>
+              <a:ea typeface="Arial"/>
+              <a:cs typeface="Arial"/>
+              <a:sym typeface="Arial"/>
+            </a:endParaRPr>
           </a:p>
         </p:txBody>
       </p:sp>
     </p:spTree>
     <p:extLst>
       <p:ext uri="{BB962C8B-B14F-4D97-AF65-F5344CB8AC3E}">
-        <p14:creationId xmlns:p14="http://schemas.microsoft.com/office/powerpoint/2010/main" val="1595745219"/>
+        <p14:creationId xmlns="" xmlns:p14="http://schemas.microsoft.com/office/powerpoint/2010/main" val="205039471"/>
       </p:ext>
     </p:extLst>
   </p:cSld>
@@ -17555,7 +17804,7 @@
           <p:cNvPr id="2" name="Titre 1">
             <a:extLst>
               <a:ext uri="{FF2B5EF4-FFF2-40B4-BE49-F238E27FC236}">
-                <a16:creationId xmlns:a16="http://schemas.microsoft.com/office/drawing/2014/main" id="{BDEF606E-A611-403F-B367-E6244B4A4623}"/>
+                <a16:creationId xmlns:a16="http://schemas.microsoft.com/office/drawing/2014/main" xmlns="" id="{BDEF606E-A611-403F-B367-E6244B4A4623}"/>
               </a:ext>
             </a:extLst>
           </p:cNvPr>
@@ -17583,7 +17832,7 @@
           <p:cNvPr id="3" name="Espace réservé du contenu 2">
             <a:extLst>
               <a:ext uri="{FF2B5EF4-FFF2-40B4-BE49-F238E27FC236}">
-                <a16:creationId xmlns:a16="http://schemas.microsoft.com/office/drawing/2014/main" id="{99811861-2BC3-429F-B025-064CDA88CAED}"/>
+                <a16:creationId xmlns:a16="http://schemas.microsoft.com/office/drawing/2014/main" xmlns="" id="{99811861-2BC3-429F-B025-064CDA88CAED}"/>
               </a:ext>
             </a:extLst>
           </p:cNvPr>
@@ -17619,7 +17868,7 @@
           <p:cNvPr id="5" name="Image 4">
             <a:extLst>
               <a:ext uri="{FF2B5EF4-FFF2-40B4-BE49-F238E27FC236}">
-                <a16:creationId xmlns:a16="http://schemas.microsoft.com/office/drawing/2014/main" id="{F2E542A2-7331-4F0C-BBC4-43169341AA0B}"/>
+                <a16:creationId xmlns:a16="http://schemas.microsoft.com/office/drawing/2014/main" xmlns="" id="{F2E542A2-7331-4F0C-BBC4-43169341AA0B}"/>
               </a:ext>
             </a:extLst>
           </p:cNvPr>
@@ -17629,7 +17878,7 @@
           <p:nvPr/>
         </p:nvPicPr>
         <p:blipFill>
-          <a:blip r:embed="rId2"/>
+          <a:blip r:embed="rId2" cstate="print"/>
           <a:stretch>
             <a:fillRect/>
           </a:stretch>
@@ -17649,7 +17898,7 @@
           <p:cNvPr id="7" name="Image 6">
             <a:extLst>
               <a:ext uri="{FF2B5EF4-FFF2-40B4-BE49-F238E27FC236}">
-                <a16:creationId xmlns:a16="http://schemas.microsoft.com/office/drawing/2014/main" id="{16D66EA9-6926-41F8-B570-C1FF7A849A3D}"/>
+                <a16:creationId xmlns:a16="http://schemas.microsoft.com/office/drawing/2014/main" xmlns="" id="{16D66EA9-6926-41F8-B570-C1FF7A849A3D}"/>
               </a:ext>
             </a:extLst>
           </p:cNvPr>
@@ -17659,7 +17908,7 @@
           <p:nvPr/>
         </p:nvPicPr>
         <p:blipFill>
-          <a:blip r:embed="rId3"/>
+          <a:blip r:embed="rId3" cstate="print"/>
           <a:stretch>
             <a:fillRect/>
           </a:stretch>
@@ -17677,7 +17926,7 @@
     </p:spTree>
     <p:extLst>
       <p:ext uri="{BB962C8B-B14F-4D97-AF65-F5344CB8AC3E}">
-        <p14:creationId xmlns:p14="http://schemas.microsoft.com/office/powerpoint/2010/main" val="1058788671"/>
+        <p14:creationId xmlns:p14="http://schemas.microsoft.com/office/powerpoint/2010/main" xmlns="" val="1058788671"/>
       </p:ext>
     </p:extLst>
   </p:cSld>
@@ -17709,7 +17958,7 @@
           <p:cNvPr id="2" name="Titre 1">
             <a:extLst>
               <a:ext uri="{FF2B5EF4-FFF2-40B4-BE49-F238E27FC236}">
-                <a16:creationId xmlns:a16="http://schemas.microsoft.com/office/drawing/2014/main" id="{BDEF606E-A611-403F-B367-E6244B4A4623}"/>
+                <a16:creationId xmlns:a16="http://schemas.microsoft.com/office/drawing/2014/main" xmlns="" id="{BDEF606E-A611-403F-B367-E6244B4A4623}"/>
               </a:ext>
             </a:extLst>
           </p:cNvPr>
@@ -17737,7 +17986,7 @@
           <p:cNvPr id="6" name="Tableau 5">
             <a:extLst>
               <a:ext uri="{FF2B5EF4-FFF2-40B4-BE49-F238E27FC236}">
-                <a16:creationId xmlns:a16="http://schemas.microsoft.com/office/drawing/2014/main" id="{EA0425BD-FA30-4D9C-A813-370319D6EA92}"/>
+                <a16:creationId xmlns:a16="http://schemas.microsoft.com/office/drawing/2014/main" xmlns="" id="{EA0425BD-FA30-4D9C-A813-370319D6EA92}"/>
               </a:ext>
             </a:extLst>
           </p:cNvPr>
@@ -17747,7 +17996,7 @@
           <p:nvPr>
             <p:extLst>
               <p:ext uri="{D42A27DB-BD31-4B8C-83A1-F6EECF244321}">
-                <p14:modId xmlns:p14="http://schemas.microsoft.com/office/powerpoint/2010/main" val="984457137"/>
+                <p14:modId xmlns:p14="http://schemas.microsoft.com/office/powerpoint/2010/main" xmlns="" val="984457137"/>
               </p:ext>
             </p:extLst>
           </p:nvPr>
@@ -17766,77 +18015,77 @@
                 <a:gridCol w="724767">
                   <a:extLst>
                     <a:ext uri="{9D8B030D-6E8A-4147-A177-3AD203B41FA5}">
-                      <a16:colId xmlns:a16="http://schemas.microsoft.com/office/drawing/2014/main" val="408911450"/>
+                      <a16:colId xmlns:a16="http://schemas.microsoft.com/office/drawing/2014/main" xmlns="" val="408911450"/>
                     </a:ext>
                   </a:extLst>
                 </a:gridCol>
                 <a:gridCol w="2742036">
                   <a:extLst>
                     <a:ext uri="{9D8B030D-6E8A-4147-A177-3AD203B41FA5}">
-                      <a16:colId xmlns:a16="http://schemas.microsoft.com/office/drawing/2014/main" val="3034884889"/>
+                      <a16:colId xmlns:a16="http://schemas.microsoft.com/office/drawing/2014/main" xmlns="" val="3034884889"/>
                     </a:ext>
                   </a:extLst>
                 </a:gridCol>
                 <a:gridCol w="724767">
                   <a:extLst>
                     <a:ext uri="{9D8B030D-6E8A-4147-A177-3AD203B41FA5}">
-                      <a16:colId xmlns:a16="http://schemas.microsoft.com/office/drawing/2014/main" val="2245621690"/>
+                      <a16:colId xmlns:a16="http://schemas.microsoft.com/office/drawing/2014/main" xmlns="" val="2245621690"/>
                     </a:ext>
                   </a:extLst>
                 </a:gridCol>
                 <a:gridCol w="543576">
                   <a:extLst>
                     <a:ext uri="{9D8B030D-6E8A-4147-A177-3AD203B41FA5}">
-                      <a16:colId xmlns:a16="http://schemas.microsoft.com/office/drawing/2014/main" val="2170081862"/>
+                      <a16:colId xmlns:a16="http://schemas.microsoft.com/office/drawing/2014/main" xmlns="" val="2170081862"/>
                     </a:ext>
                   </a:extLst>
                 </a:gridCol>
                 <a:gridCol w="724767">
                   <a:extLst>
                     <a:ext uri="{9D8B030D-6E8A-4147-A177-3AD203B41FA5}">
-                      <a16:colId xmlns:a16="http://schemas.microsoft.com/office/drawing/2014/main" val="775422082"/>
+                      <a16:colId xmlns:a16="http://schemas.microsoft.com/office/drawing/2014/main" xmlns="" val="775422082"/>
                     </a:ext>
                   </a:extLst>
                 </a:gridCol>
                 <a:gridCol w="567734">
                   <a:extLst>
                     <a:ext uri="{9D8B030D-6E8A-4147-A177-3AD203B41FA5}">
-                      <a16:colId xmlns:a16="http://schemas.microsoft.com/office/drawing/2014/main" val="3706207842"/>
+                      <a16:colId xmlns:a16="http://schemas.microsoft.com/office/drawing/2014/main" xmlns="" val="3706207842"/>
                     </a:ext>
                   </a:extLst>
                 </a:gridCol>
                 <a:gridCol w="1078092">
                   <a:extLst>
                     <a:ext uri="{9D8B030D-6E8A-4147-A177-3AD203B41FA5}">
-                      <a16:colId xmlns:a16="http://schemas.microsoft.com/office/drawing/2014/main" val="2516185925"/>
+                      <a16:colId xmlns:a16="http://schemas.microsoft.com/office/drawing/2014/main" xmlns="" val="2516185925"/>
                     </a:ext>
                   </a:extLst>
                 </a:gridCol>
                 <a:gridCol w="389563">
                   <a:extLst>
                     <a:ext uri="{9D8B030D-6E8A-4147-A177-3AD203B41FA5}">
-                      <a16:colId xmlns:a16="http://schemas.microsoft.com/office/drawing/2014/main" val="1916722315"/>
+                      <a16:colId xmlns:a16="http://schemas.microsoft.com/office/drawing/2014/main" xmlns="" val="1916722315"/>
                     </a:ext>
                   </a:extLst>
                 </a:gridCol>
                 <a:gridCol w="652290">
                   <a:extLst>
                     <a:ext uri="{9D8B030D-6E8A-4147-A177-3AD203B41FA5}">
-                      <a16:colId xmlns:a16="http://schemas.microsoft.com/office/drawing/2014/main" val="2041547137"/>
+                      <a16:colId xmlns:a16="http://schemas.microsoft.com/office/drawing/2014/main" xmlns="" val="2041547137"/>
                     </a:ext>
                   </a:extLst>
                 </a:gridCol>
                 <a:gridCol w="724767">
                   <a:extLst>
                     <a:ext uri="{9D8B030D-6E8A-4147-A177-3AD203B41FA5}">
-                      <a16:colId xmlns:a16="http://schemas.microsoft.com/office/drawing/2014/main" val="36157213"/>
+                      <a16:colId xmlns:a16="http://schemas.microsoft.com/office/drawing/2014/main" xmlns="" val="36157213"/>
                     </a:ext>
                   </a:extLst>
                 </a:gridCol>
                 <a:gridCol w="736847">
                   <a:extLst>
                     <a:ext uri="{9D8B030D-6E8A-4147-A177-3AD203B41FA5}">
-                      <a16:colId xmlns:a16="http://schemas.microsoft.com/office/drawing/2014/main" val="2821565850"/>
+                      <a16:colId xmlns:a16="http://schemas.microsoft.com/office/drawing/2014/main" xmlns="" val="2821565850"/>
                     </a:ext>
                   </a:extLst>
                 </a:gridCol>
@@ -18079,7 +18328,7 @@
                 </a:tc>
                 <a:extLst>
                   <a:ext uri="{0D108BD9-81ED-4DB2-BD59-A6C34878D82A}">
-                    <a16:rowId xmlns:a16="http://schemas.microsoft.com/office/drawing/2014/main" val="2753315091"/>
+                    <a16:rowId xmlns:a16="http://schemas.microsoft.com/office/drawing/2014/main" xmlns="" val="2753315091"/>
                   </a:ext>
                 </a:extLst>
               </a:tr>
@@ -18339,7 +18588,7 @@
                 </a:tc>
                 <a:extLst>
                   <a:ext uri="{0D108BD9-81ED-4DB2-BD59-A6C34878D82A}">
-                    <a16:rowId xmlns:a16="http://schemas.microsoft.com/office/drawing/2014/main" val="787632316"/>
+                    <a16:rowId xmlns:a16="http://schemas.microsoft.com/office/drawing/2014/main" xmlns="" val="787632316"/>
                   </a:ext>
                 </a:extLst>
               </a:tr>
@@ -18593,7 +18842,7 @@
                 </a:tc>
                 <a:extLst>
                   <a:ext uri="{0D108BD9-81ED-4DB2-BD59-A6C34878D82A}">
-                    <a16:rowId xmlns:a16="http://schemas.microsoft.com/office/drawing/2014/main" val="3182516642"/>
+                    <a16:rowId xmlns:a16="http://schemas.microsoft.com/office/drawing/2014/main" xmlns="" val="3182516642"/>
                   </a:ext>
                 </a:extLst>
               </a:tr>
@@ -18853,7 +19102,7 @@
                 </a:tc>
                 <a:extLst>
                   <a:ext uri="{0D108BD9-81ED-4DB2-BD59-A6C34878D82A}">
-                    <a16:rowId xmlns:a16="http://schemas.microsoft.com/office/drawing/2014/main" val="1851010071"/>
+                    <a16:rowId xmlns:a16="http://schemas.microsoft.com/office/drawing/2014/main" xmlns="" val="1851010071"/>
                   </a:ext>
                 </a:extLst>
               </a:tr>
@@ -19095,7 +19344,7 @@
                 </a:tc>
                 <a:extLst>
                   <a:ext uri="{0D108BD9-81ED-4DB2-BD59-A6C34878D82A}">
-                    <a16:rowId xmlns:a16="http://schemas.microsoft.com/office/drawing/2014/main" val="3734920185"/>
+                    <a16:rowId xmlns:a16="http://schemas.microsoft.com/office/drawing/2014/main" xmlns="" val="3734920185"/>
                   </a:ext>
                 </a:extLst>
               </a:tr>
@@ -19343,7 +19592,7 @@
                 </a:tc>
                 <a:extLst>
                   <a:ext uri="{0D108BD9-81ED-4DB2-BD59-A6C34878D82A}">
-                    <a16:rowId xmlns:a16="http://schemas.microsoft.com/office/drawing/2014/main" val="4079224381"/>
+                    <a16:rowId xmlns:a16="http://schemas.microsoft.com/office/drawing/2014/main" xmlns="" val="4079224381"/>
                   </a:ext>
                 </a:extLst>
               </a:tr>
@@ -19591,7 +19840,7 @@
                 </a:tc>
                 <a:extLst>
                   <a:ext uri="{0D108BD9-81ED-4DB2-BD59-A6C34878D82A}">
-                    <a16:rowId xmlns:a16="http://schemas.microsoft.com/office/drawing/2014/main" val="2211901315"/>
+                    <a16:rowId xmlns:a16="http://schemas.microsoft.com/office/drawing/2014/main" xmlns="" val="2211901315"/>
                   </a:ext>
                 </a:extLst>
               </a:tr>
@@ -19833,7 +20082,7 @@
                 </a:tc>
                 <a:extLst>
                   <a:ext uri="{0D108BD9-81ED-4DB2-BD59-A6C34878D82A}">
-                    <a16:rowId xmlns:a16="http://schemas.microsoft.com/office/drawing/2014/main" val="702622490"/>
+                    <a16:rowId xmlns:a16="http://schemas.microsoft.com/office/drawing/2014/main" xmlns="" val="702622490"/>
                   </a:ext>
                 </a:extLst>
               </a:tr>
@@ -20087,7 +20336,7 @@
                 </a:tc>
                 <a:extLst>
                   <a:ext uri="{0D108BD9-81ED-4DB2-BD59-A6C34878D82A}">
-                    <a16:rowId xmlns:a16="http://schemas.microsoft.com/office/drawing/2014/main" val="3165804229"/>
+                    <a16:rowId xmlns:a16="http://schemas.microsoft.com/office/drawing/2014/main" xmlns="" val="3165804229"/>
                   </a:ext>
                 </a:extLst>
               </a:tr>
@@ -20098,7 +20347,7 @@
     </p:spTree>
     <p:extLst>
       <p:ext uri="{BB962C8B-B14F-4D97-AF65-F5344CB8AC3E}">
-        <p14:creationId xmlns:p14="http://schemas.microsoft.com/office/powerpoint/2010/main" val="1968962188"/>
+        <p14:creationId xmlns:p14="http://schemas.microsoft.com/office/powerpoint/2010/main" xmlns="" val="1968962188"/>
       </p:ext>
     </p:extLst>
   </p:cSld>
@@ -20130,7 +20379,7 @@
           <p:cNvPr id="2" name="Titre 1">
             <a:extLst>
               <a:ext uri="{FF2B5EF4-FFF2-40B4-BE49-F238E27FC236}">
-                <a16:creationId xmlns:a16="http://schemas.microsoft.com/office/drawing/2014/main" id="{EDDD4FAF-1AF8-4391-9A8A-F1F63DD06F1E}"/>
+                <a16:creationId xmlns:a16="http://schemas.microsoft.com/office/drawing/2014/main" xmlns="" id="{EDDD4FAF-1AF8-4391-9A8A-F1F63DD06F1E}"/>
               </a:ext>
             </a:extLst>
           </p:cNvPr>
@@ -20158,7 +20407,7 @@
           <p:cNvPr id="6" name="ZoneTexte 5">
             <a:extLst>
               <a:ext uri="{FF2B5EF4-FFF2-40B4-BE49-F238E27FC236}">
-                <a16:creationId xmlns:a16="http://schemas.microsoft.com/office/drawing/2014/main" id="{BAA77A27-EF48-4E4C-97DE-4BBCE4887F5F}"/>
+                <a16:creationId xmlns:a16="http://schemas.microsoft.com/office/drawing/2014/main" xmlns="" id="{BAA77A27-EF48-4E4C-97DE-4BBCE4887F5F}"/>
               </a:ext>
             </a:extLst>
           </p:cNvPr>
@@ -20218,7 +20467,7 @@
           <p:cNvPr id="7" name="Image 6">
             <a:extLst>
               <a:ext uri="{FF2B5EF4-FFF2-40B4-BE49-F238E27FC236}">
-                <a16:creationId xmlns:a16="http://schemas.microsoft.com/office/drawing/2014/main" id="{6CF18651-D19B-4C99-900E-8E9E9C8507DA}"/>
+                <a16:creationId xmlns:a16="http://schemas.microsoft.com/office/drawing/2014/main" xmlns="" id="{6CF18651-D19B-4C99-900E-8E9E9C8507DA}"/>
               </a:ext>
             </a:extLst>
           </p:cNvPr>
@@ -20228,7 +20477,7 @@
           <p:nvPr/>
         </p:nvPicPr>
         <p:blipFill>
-          <a:blip r:embed="rId3"/>
+          <a:blip r:embed="rId3" cstate="print"/>
           <a:stretch>
             <a:fillRect/>
           </a:stretch>
@@ -20248,7 +20497,7 @@
           <p:cNvPr id="11" name="Image 10">
             <a:extLst>
               <a:ext uri="{FF2B5EF4-FFF2-40B4-BE49-F238E27FC236}">
-                <a16:creationId xmlns:a16="http://schemas.microsoft.com/office/drawing/2014/main" id="{9FC3B328-4786-4AC7-947E-8B49DD35A6FF}"/>
+                <a16:creationId xmlns:a16="http://schemas.microsoft.com/office/drawing/2014/main" xmlns="" id="{9FC3B328-4786-4AC7-947E-8B49DD35A6FF}"/>
               </a:ext>
             </a:extLst>
           </p:cNvPr>
@@ -20258,7 +20507,7 @@
           <p:nvPr/>
         </p:nvPicPr>
         <p:blipFill>
-          <a:blip r:embed="rId4"/>
+          <a:blip r:embed="rId4" cstate="print"/>
           <a:stretch>
             <a:fillRect/>
           </a:stretch>
@@ -20276,7 +20525,7 @@
     </p:spTree>
     <p:extLst>
       <p:ext uri="{BB962C8B-B14F-4D97-AF65-F5344CB8AC3E}">
-        <p14:creationId xmlns:p14="http://schemas.microsoft.com/office/powerpoint/2010/main" val="2709414635"/>
+        <p14:creationId xmlns:p14="http://schemas.microsoft.com/office/powerpoint/2010/main" xmlns="" val="2709414635"/>
       </p:ext>
     </p:extLst>
   </p:cSld>
@@ -20566,7 +20815,7 @@
   <a:extraClrSchemeLst/>
   <a:extLst>
     <a:ext uri="{05A4C25C-085E-4340-85A3-A5531E510DB2}">
-      <thm15:themeFamily xmlns:thm15="http://schemas.microsoft.com/office/thememl/2012/main" name="Thème1" id="{F8D90D31-0E82-441F-979D-5CA5121051FF}" vid="{6756C6E6-5B85-46E8-8880-4CDFF9CDDAE6}"/>
+      <thm15:themeFamily xmlns:thm15="http://schemas.microsoft.com/office/thememl/2012/main" xmlns="" name="Thème1" id="{F8D90D31-0E82-441F-979D-5CA5121051FF}" vid="{6756C6E6-5B85-46E8-8880-4CDFF9CDDAE6}"/>
     </a:ext>
   </a:extLst>
 </a:theme>
